--- a/Extras/Org.pptx
+++ b/Extras/Org.pptx
@@ -2617,6 +2617,780 @@
       </pc:sldChg>
     </pc:docChg>
   </pc:docChgLst>
+  <pc:docChgLst>
+    <pc:chgData name="Matthieu De Mari" userId="dfb708c9-d8dc-439f-9a3b-c772bf4a311c" providerId="ADAL" clId="{AD739655-7385-4A96-ABE9-4F08849AD375}"/>
+    <pc:docChg chg="modSld">
+      <pc:chgData name="Matthieu De Mari" userId="dfb708c9-d8dc-439f-9a3b-c772bf4a311c" providerId="ADAL" clId="{AD739655-7385-4A96-ABE9-4F08849AD375}" dt="2023-02-12T08:25:50.348" v="50" actId="207"/>
+      <pc:docMkLst>
+        <pc:docMk/>
+      </pc:docMkLst>
+      <pc:sldChg chg="modSp mod">
+        <pc:chgData name="Matthieu De Mari" userId="dfb708c9-d8dc-439f-9a3b-c772bf4a311c" providerId="ADAL" clId="{AD739655-7385-4A96-ABE9-4F08849AD375}" dt="2023-02-12T08:22:47.339" v="0" actId="207"/>
+        <pc:sldMkLst>
+          <pc:docMk/>
+          <pc:sldMk cId="735327594" sldId="265"/>
+        </pc:sldMkLst>
+        <pc:spChg chg="mod">
+          <ac:chgData name="Matthieu De Mari" userId="dfb708c9-d8dc-439f-9a3b-c772bf4a311c" providerId="ADAL" clId="{AD739655-7385-4A96-ABE9-4F08849AD375}" dt="2023-02-12T08:22:47.339" v="0" actId="207"/>
+          <ac:spMkLst>
+            <pc:docMk/>
+            <pc:sldMk cId="735327594" sldId="265"/>
+            <ac:spMk id="2" creationId="{2F4B520A-6D3F-3A04-6C5D-686B1C6BAECA}"/>
+          </ac:spMkLst>
+        </pc:spChg>
+      </pc:sldChg>
+      <pc:sldChg chg="modSp mod">
+        <pc:chgData name="Matthieu De Mari" userId="dfb708c9-d8dc-439f-9a3b-c772bf4a311c" providerId="ADAL" clId="{AD739655-7385-4A96-ABE9-4F08849AD375}" dt="2023-02-12T08:24:17.273" v="26" actId="207"/>
+        <pc:sldMkLst>
+          <pc:docMk/>
+          <pc:sldMk cId="1563262999" sldId="267"/>
+        </pc:sldMkLst>
+        <pc:spChg chg="mod">
+          <ac:chgData name="Matthieu De Mari" userId="dfb708c9-d8dc-439f-9a3b-c772bf4a311c" providerId="ADAL" clId="{AD739655-7385-4A96-ABE9-4F08849AD375}" dt="2023-02-12T08:24:17.273" v="26" actId="207"/>
+          <ac:spMkLst>
+            <pc:docMk/>
+            <pc:sldMk cId="1563262999" sldId="267"/>
+            <ac:spMk id="2" creationId="{65E0D3E1-4E61-DCAC-59CA-3A5CCA15ADEE}"/>
+          </ac:spMkLst>
+        </pc:spChg>
+      </pc:sldChg>
+      <pc:sldChg chg="modSp mod">
+        <pc:chgData name="Matthieu De Mari" userId="dfb708c9-d8dc-439f-9a3b-c772bf4a311c" providerId="ADAL" clId="{AD739655-7385-4A96-ABE9-4F08849AD375}" dt="2023-02-12T08:22:55.392" v="1" actId="207"/>
+        <pc:sldMkLst>
+          <pc:docMk/>
+          <pc:sldMk cId="2637790536" sldId="268"/>
+        </pc:sldMkLst>
+        <pc:spChg chg="mod">
+          <ac:chgData name="Matthieu De Mari" userId="dfb708c9-d8dc-439f-9a3b-c772bf4a311c" providerId="ADAL" clId="{AD739655-7385-4A96-ABE9-4F08849AD375}" dt="2023-02-12T08:22:55.392" v="1" actId="207"/>
+          <ac:spMkLst>
+            <pc:docMk/>
+            <pc:sldMk cId="2637790536" sldId="268"/>
+            <ac:spMk id="2" creationId="{6B26FCCD-3ECD-C64D-EE96-3AA352137E26}"/>
+          </ac:spMkLst>
+        </pc:spChg>
+      </pc:sldChg>
+      <pc:sldChg chg="modSp mod">
+        <pc:chgData name="Matthieu De Mari" userId="dfb708c9-d8dc-439f-9a3b-c772bf4a311c" providerId="ADAL" clId="{AD739655-7385-4A96-ABE9-4F08849AD375}" dt="2023-02-12T08:23:01.304" v="3" actId="207"/>
+        <pc:sldMkLst>
+          <pc:docMk/>
+          <pc:sldMk cId="2313927376" sldId="270"/>
+        </pc:sldMkLst>
+        <pc:spChg chg="mod">
+          <ac:chgData name="Matthieu De Mari" userId="dfb708c9-d8dc-439f-9a3b-c772bf4a311c" providerId="ADAL" clId="{AD739655-7385-4A96-ABE9-4F08849AD375}" dt="2023-02-12T08:23:01.304" v="3" actId="207"/>
+          <ac:spMkLst>
+            <pc:docMk/>
+            <pc:sldMk cId="2313927376" sldId="270"/>
+            <ac:spMk id="2" creationId="{D87A5E8A-BD91-998B-136F-B9BCE8DBE8F9}"/>
+          </ac:spMkLst>
+        </pc:spChg>
+      </pc:sldChg>
+      <pc:sldChg chg="modSp mod">
+        <pc:chgData name="Matthieu De Mari" userId="dfb708c9-d8dc-439f-9a3b-c772bf4a311c" providerId="ADAL" clId="{AD739655-7385-4A96-ABE9-4F08849AD375}" dt="2023-02-12T08:22:58.618" v="2" actId="207"/>
+        <pc:sldMkLst>
+          <pc:docMk/>
+          <pc:sldMk cId="491456096" sldId="271"/>
+        </pc:sldMkLst>
+        <pc:spChg chg="mod">
+          <ac:chgData name="Matthieu De Mari" userId="dfb708c9-d8dc-439f-9a3b-c772bf4a311c" providerId="ADAL" clId="{AD739655-7385-4A96-ABE9-4F08849AD375}" dt="2023-02-12T08:22:58.618" v="2" actId="207"/>
+          <ac:spMkLst>
+            <pc:docMk/>
+            <pc:sldMk cId="491456096" sldId="271"/>
+            <ac:spMk id="2" creationId="{5591D807-5D29-9EB6-727A-FB0664C3EC90}"/>
+          </ac:spMkLst>
+        </pc:spChg>
+      </pc:sldChg>
+      <pc:sldChg chg="modSp mod">
+        <pc:chgData name="Matthieu De Mari" userId="dfb708c9-d8dc-439f-9a3b-c772bf4a311c" providerId="ADAL" clId="{AD739655-7385-4A96-ABE9-4F08849AD375}" dt="2023-02-12T08:23:27.706" v="11" actId="207"/>
+        <pc:sldMkLst>
+          <pc:docMk/>
+          <pc:sldMk cId="1483054381" sldId="273"/>
+        </pc:sldMkLst>
+        <pc:spChg chg="mod">
+          <ac:chgData name="Matthieu De Mari" userId="dfb708c9-d8dc-439f-9a3b-c772bf4a311c" providerId="ADAL" clId="{AD739655-7385-4A96-ABE9-4F08849AD375}" dt="2023-02-12T08:23:27.706" v="11" actId="207"/>
+          <ac:spMkLst>
+            <pc:docMk/>
+            <pc:sldMk cId="1483054381" sldId="273"/>
+            <ac:spMk id="2" creationId="{8C2B5424-78CD-47F4-9052-9493767719D9}"/>
+          </ac:spMkLst>
+        </pc:spChg>
+      </pc:sldChg>
+      <pc:sldChg chg="modSp mod">
+        <pc:chgData name="Matthieu De Mari" userId="dfb708c9-d8dc-439f-9a3b-c772bf4a311c" providerId="ADAL" clId="{AD739655-7385-4A96-ABE9-4F08849AD375}" dt="2023-02-12T08:23:30.509" v="12" actId="207"/>
+        <pc:sldMkLst>
+          <pc:docMk/>
+          <pc:sldMk cId="4000578084" sldId="274"/>
+        </pc:sldMkLst>
+        <pc:spChg chg="mod">
+          <ac:chgData name="Matthieu De Mari" userId="dfb708c9-d8dc-439f-9a3b-c772bf4a311c" providerId="ADAL" clId="{AD739655-7385-4A96-ABE9-4F08849AD375}" dt="2023-02-12T08:23:30.509" v="12" actId="207"/>
+          <ac:spMkLst>
+            <pc:docMk/>
+            <pc:sldMk cId="4000578084" sldId="274"/>
+            <ac:spMk id="2" creationId="{2D5997E3-88A6-6A9A-CB33-8ECE8925A0DF}"/>
+          </ac:spMkLst>
+        </pc:spChg>
+      </pc:sldChg>
+      <pc:sldChg chg="modSp mod">
+        <pc:chgData name="Matthieu De Mari" userId="dfb708c9-d8dc-439f-9a3b-c772bf4a311c" providerId="ADAL" clId="{AD739655-7385-4A96-ABE9-4F08849AD375}" dt="2023-02-12T08:23:03.671" v="4" actId="207"/>
+        <pc:sldMkLst>
+          <pc:docMk/>
+          <pc:sldMk cId="3673238788" sldId="275"/>
+        </pc:sldMkLst>
+        <pc:spChg chg="mod">
+          <ac:chgData name="Matthieu De Mari" userId="dfb708c9-d8dc-439f-9a3b-c772bf4a311c" providerId="ADAL" clId="{AD739655-7385-4A96-ABE9-4F08849AD375}" dt="2023-02-12T08:23:03.671" v="4" actId="207"/>
+          <ac:spMkLst>
+            <pc:docMk/>
+            <pc:sldMk cId="3673238788" sldId="275"/>
+            <ac:spMk id="2" creationId="{9C49242E-D9DA-9BF5-89B2-732BDF3FD619}"/>
+          </ac:spMkLst>
+        </pc:spChg>
+      </pc:sldChg>
+      <pc:sldChg chg="modSp mod">
+        <pc:chgData name="Matthieu De Mari" userId="dfb708c9-d8dc-439f-9a3b-c772bf4a311c" providerId="ADAL" clId="{AD739655-7385-4A96-ABE9-4F08849AD375}" dt="2023-02-12T08:23:06.033" v="5" actId="207"/>
+        <pc:sldMkLst>
+          <pc:docMk/>
+          <pc:sldMk cId="3348377355" sldId="276"/>
+        </pc:sldMkLst>
+        <pc:spChg chg="mod">
+          <ac:chgData name="Matthieu De Mari" userId="dfb708c9-d8dc-439f-9a3b-c772bf4a311c" providerId="ADAL" clId="{AD739655-7385-4A96-ABE9-4F08849AD375}" dt="2023-02-12T08:23:06.033" v="5" actId="207"/>
+          <ac:spMkLst>
+            <pc:docMk/>
+            <pc:sldMk cId="3348377355" sldId="276"/>
+            <ac:spMk id="2" creationId="{78406F1F-65AC-0DFB-DFD5-02E1C881B1D2}"/>
+          </ac:spMkLst>
+        </pc:spChg>
+      </pc:sldChg>
+      <pc:sldChg chg="modSp mod">
+        <pc:chgData name="Matthieu De Mari" userId="dfb708c9-d8dc-439f-9a3b-c772bf4a311c" providerId="ADAL" clId="{AD739655-7385-4A96-ABE9-4F08849AD375}" dt="2023-02-12T08:23:23.949" v="10" actId="207"/>
+        <pc:sldMkLst>
+          <pc:docMk/>
+          <pc:sldMk cId="3314266420" sldId="277"/>
+        </pc:sldMkLst>
+        <pc:spChg chg="mod">
+          <ac:chgData name="Matthieu De Mari" userId="dfb708c9-d8dc-439f-9a3b-c772bf4a311c" providerId="ADAL" clId="{AD739655-7385-4A96-ABE9-4F08849AD375}" dt="2023-02-12T08:23:23.949" v="10" actId="207"/>
+          <ac:spMkLst>
+            <pc:docMk/>
+            <pc:sldMk cId="3314266420" sldId="277"/>
+            <ac:spMk id="2" creationId="{F42743DD-8E8F-E7B7-A834-82799614ED44}"/>
+          </ac:spMkLst>
+        </pc:spChg>
+      </pc:sldChg>
+      <pc:sldChg chg="modSp mod">
+        <pc:chgData name="Matthieu De Mari" userId="dfb708c9-d8dc-439f-9a3b-c772bf4a311c" providerId="ADAL" clId="{AD739655-7385-4A96-ABE9-4F08849AD375}" dt="2023-02-12T08:23:11.399" v="7" actId="207"/>
+        <pc:sldMkLst>
+          <pc:docMk/>
+          <pc:sldMk cId="1938311961" sldId="278"/>
+        </pc:sldMkLst>
+        <pc:spChg chg="mod">
+          <ac:chgData name="Matthieu De Mari" userId="dfb708c9-d8dc-439f-9a3b-c772bf4a311c" providerId="ADAL" clId="{AD739655-7385-4A96-ABE9-4F08849AD375}" dt="2023-02-12T08:23:11.399" v="7" actId="207"/>
+          <ac:spMkLst>
+            <pc:docMk/>
+            <pc:sldMk cId="1938311961" sldId="278"/>
+            <ac:spMk id="2" creationId="{1876A753-0FCC-7FCC-0684-68441A224D05}"/>
+          </ac:spMkLst>
+        </pc:spChg>
+      </pc:sldChg>
+      <pc:sldChg chg="modSp mod">
+        <pc:chgData name="Matthieu De Mari" userId="dfb708c9-d8dc-439f-9a3b-c772bf4a311c" providerId="ADAL" clId="{AD739655-7385-4A96-ABE9-4F08849AD375}" dt="2023-02-12T08:23:08.398" v="6" actId="207"/>
+        <pc:sldMkLst>
+          <pc:docMk/>
+          <pc:sldMk cId="3238620282" sldId="279"/>
+        </pc:sldMkLst>
+        <pc:spChg chg="mod">
+          <ac:chgData name="Matthieu De Mari" userId="dfb708c9-d8dc-439f-9a3b-c772bf4a311c" providerId="ADAL" clId="{AD739655-7385-4A96-ABE9-4F08849AD375}" dt="2023-02-12T08:23:08.398" v="6" actId="207"/>
+          <ac:spMkLst>
+            <pc:docMk/>
+            <pc:sldMk cId="3238620282" sldId="279"/>
+            <ac:spMk id="2" creationId="{92BFF572-213B-97E6-6BFF-B4D3EAB3FB73}"/>
+          </ac:spMkLst>
+        </pc:spChg>
+      </pc:sldChg>
+      <pc:sldChg chg="modSp mod">
+        <pc:chgData name="Matthieu De Mari" userId="dfb708c9-d8dc-439f-9a3b-c772bf4a311c" providerId="ADAL" clId="{AD739655-7385-4A96-ABE9-4F08849AD375}" dt="2023-02-12T08:23:36.545" v="13" actId="207"/>
+        <pc:sldMkLst>
+          <pc:docMk/>
+          <pc:sldMk cId="2840484224" sldId="280"/>
+        </pc:sldMkLst>
+        <pc:spChg chg="mod">
+          <ac:chgData name="Matthieu De Mari" userId="dfb708c9-d8dc-439f-9a3b-c772bf4a311c" providerId="ADAL" clId="{AD739655-7385-4A96-ABE9-4F08849AD375}" dt="2023-02-12T08:23:36.545" v="13" actId="207"/>
+          <ac:spMkLst>
+            <pc:docMk/>
+            <pc:sldMk cId="2840484224" sldId="280"/>
+            <ac:spMk id="2" creationId="{4FE8D244-9536-3125-B9D9-FAFA7C17B80C}"/>
+          </ac:spMkLst>
+        </pc:spChg>
+      </pc:sldChg>
+      <pc:sldChg chg="modSp mod">
+        <pc:chgData name="Matthieu De Mari" userId="dfb708c9-d8dc-439f-9a3b-c772bf4a311c" providerId="ADAL" clId="{AD739655-7385-4A96-ABE9-4F08849AD375}" dt="2023-02-12T08:23:17.435" v="8" actId="207"/>
+        <pc:sldMkLst>
+          <pc:docMk/>
+          <pc:sldMk cId="2347683629" sldId="281"/>
+        </pc:sldMkLst>
+        <pc:spChg chg="mod">
+          <ac:chgData name="Matthieu De Mari" userId="dfb708c9-d8dc-439f-9a3b-c772bf4a311c" providerId="ADAL" clId="{AD739655-7385-4A96-ABE9-4F08849AD375}" dt="2023-02-12T08:23:17.435" v="8" actId="207"/>
+          <ac:spMkLst>
+            <pc:docMk/>
+            <pc:sldMk cId="2347683629" sldId="281"/>
+            <ac:spMk id="2" creationId="{1BC2F77B-B631-F46B-D880-FE88C8FC695E}"/>
+          </ac:spMkLst>
+        </pc:spChg>
+      </pc:sldChg>
+      <pc:sldChg chg="modSp mod">
+        <pc:chgData name="Matthieu De Mari" userId="dfb708c9-d8dc-439f-9a3b-c772bf4a311c" providerId="ADAL" clId="{AD739655-7385-4A96-ABE9-4F08849AD375}" dt="2023-02-12T08:23:40.455" v="14" actId="207"/>
+        <pc:sldMkLst>
+          <pc:docMk/>
+          <pc:sldMk cId="1329367518" sldId="282"/>
+        </pc:sldMkLst>
+        <pc:spChg chg="mod">
+          <ac:chgData name="Matthieu De Mari" userId="dfb708c9-d8dc-439f-9a3b-c772bf4a311c" providerId="ADAL" clId="{AD739655-7385-4A96-ABE9-4F08849AD375}" dt="2023-02-12T08:23:40.455" v="14" actId="207"/>
+          <ac:spMkLst>
+            <pc:docMk/>
+            <pc:sldMk cId="1329367518" sldId="282"/>
+            <ac:spMk id="2" creationId="{334F0555-91A8-CEFA-80AE-69679DBB7EF2}"/>
+          </ac:spMkLst>
+        </pc:spChg>
+      </pc:sldChg>
+      <pc:sldChg chg="modSp mod">
+        <pc:chgData name="Matthieu De Mari" userId="dfb708c9-d8dc-439f-9a3b-c772bf4a311c" providerId="ADAL" clId="{AD739655-7385-4A96-ABE9-4F08849AD375}" dt="2023-02-12T08:23:42.447" v="15" actId="207"/>
+        <pc:sldMkLst>
+          <pc:docMk/>
+          <pc:sldMk cId="81906476" sldId="283"/>
+        </pc:sldMkLst>
+        <pc:spChg chg="mod">
+          <ac:chgData name="Matthieu De Mari" userId="dfb708c9-d8dc-439f-9a3b-c772bf4a311c" providerId="ADAL" clId="{AD739655-7385-4A96-ABE9-4F08849AD375}" dt="2023-02-12T08:23:42.447" v="15" actId="207"/>
+          <ac:spMkLst>
+            <pc:docMk/>
+            <pc:sldMk cId="81906476" sldId="283"/>
+            <ac:spMk id="2" creationId="{164F6D1F-2DC0-DA0C-E6AE-810CC0F078FB}"/>
+          </ac:spMkLst>
+        </pc:spChg>
+      </pc:sldChg>
+      <pc:sldChg chg="modSp mod">
+        <pc:chgData name="Matthieu De Mari" userId="dfb708c9-d8dc-439f-9a3b-c772bf4a311c" providerId="ADAL" clId="{AD739655-7385-4A96-ABE9-4F08849AD375}" dt="2023-02-12T08:23:49.508" v="17" actId="207"/>
+        <pc:sldMkLst>
+          <pc:docMk/>
+          <pc:sldMk cId="3812319088" sldId="284"/>
+        </pc:sldMkLst>
+        <pc:spChg chg="mod">
+          <ac:chgData name="Matthieu De Mari" userId="dfb708c9-d8dc-439f-9a3b-c772bf4a311c" providerId="ADAL" clId="{AD739655-7385-4A96-ABE9-4F08849AD375}" dt="2023-02-12T08:23:49.508" v="17" actId="207"/>
+          <ac:spMkLst>
+            <pc:docMk/>
+            <pc:sldMk cId="3812319088" sldId="284"/>
+            <ac:spMk id="2" creationId="{DD81F45C-B7CA-BD74-549E-EB0F53506FB9}"/>
+          </ac:spMkLst>
+        </pc:spChg>
+      </pc:sldChg>
+      <pc:sldChg chg="modSp mod">
+        <pc:chgData name="Matthieu De Mari" userId="dfb708c9-d8dc-439f-9a3b-c772bf4a311c" providerId="ADAL" clId="{AD739655-7385-4A96-ABE9-4F08849AD375}" dt="2023-02-12T08:23:52.300" v="18" actId="207"/>
+        <pc:sldMkLst>
+          <pc:docMk/>
+          <pc:sldMk cId="188810473" sldId="285"/>
+        </pc:sldMkLst>
+        <pc:spChg chg="mod">
+          <ac:chgData name="Matthieu De Mari" userId="dfb708c9-d8dc-439f-9a3b-c772bf4a311c" providerId="ADAL" clId="{AD739655-7385-4A96-ABE9-4F08849AD375}" dt="2023-02-12T08:23:52.300" v="18" actId="207"/>
+          <ac:spMkLst>
+            <pc:docMk/>
+            <pc:sldMk cId="188810473" sldId="285"/>
+            <ac:spMk id="2" creationId="{33A15950-E596-22D6-8500-A976FD7454C2}"/>
+          </ac:spMkLst>
+        </pc:spChg>
+      </pc:sldChg>
+      <pc:sldChg chg="modSp mod">
+        <pc:chgData name="Matthieu De Mari" userId="dfb708c9-d8dc-439f-9a3b-c772bf4a311c" providerId="ADAL" clId="{AD739655-7385-4A96-ABE9-4F08849AD375}" dt="2023-02-12T08:24:00.123" v="20" actId="207"/>
+        <pc:sldMkLst>
+          <pc:docMk/>
+          <pc:sldMk cId="3669191944" sldId="286"/>
+        </pc:sldMkLst>
+        <pc:spChg chg="mod">
+          <ac:chgData name="Matthieu De Mari" userId="dfb708c9-d8dc-439f-9a3b-c772bf4a311c" providerId="ADAL" clId="{AD739655-7385-4A96-ABE9-4F08849AD375}" dt="2023-02-12T08:24:00.123" v="20" actId="207"/>
+          <ac:spMkLst>
+            <pc:docMk/>
+            <pc:sldMk cId="3669191944" sldId="286"/>
+            <ac:spMk id="2" creationId="{70213AD3-8156-AAE9-5D1E-81523191E94E}"/>
+          </ac:spMkLst>
+        </pc:spChg>
+      </pc:sldChg>
+      <pc:sldChg chg="modSp mod">
+        <pc:chgData name="Matthieu De Mari" userId="dfb708c9-d8dc-439f-9a3b-c772bf4a311c" providerId="ADAL" clId="{AD739655-7385-4A96-ABE9-4F08849AD375}" dt="2023-02-12T08:24:28.441" v="30" actId="207"/>
+        <pc:sldMkLst>
+          <pc:docMk/>
+          <pc:sldMk cId="1411933019" sldId="287"/>
+        </pc:sldMkLst>
+        <pc:spChg chg="mod">
+          <ac:chgData name="Matthieu De Mari" userId="dfb708c9-d8dc-439f-9a3b-c772bf4a311c" providerId="ADAL" clId="{AD739655-7385-4A96-ABE9-4F08849AD375}" dt="2023-02-12T08:24:28.441" v="30" actId="207"/>
+          <ac:spMkLst>
+            <pc:docMk/>
+            <pc:sldMk cId="1411933019" sldId="287"/>
+            <ac:spMk id="2" creationId="{9119DFCC-D162-B8B4-6803-8C3B041ADA71}"/>
+          </ac:spMkLst>
+        </pc:spChg>
+      </pc:sldChg>
+      <pc:sldChg chg="modSp mod">
+        <pc:chgData name="Matthieu De Mari" userId="dfb708c9-d8dc-439f-9a3b-c772bf4a311c" providerId="ADAL" clId="{AD739655-7385-4A96-ABE9-4F08849AD375}" dt="2023-02-12T08:25:09.191" v="39" actId="207"/>
+        <pc:sldMkLst>
+          <pc:docMk/>
+          <pc:sldMk cId="3205943132" sldId="288"/>
+        </pc:sldMkLst>
+        <pc:spChg chg="mod">
+          <ac:chgData name="Matthieu De Mari" userId="dfb708c9-d8dc-439f-9a3b-c772bf4a311c" providerId="ADAL" clId="{AD739655-7385-4A96-ABE9-4F08849AD375}" dt="2023-02-12T08:25:09.191" v="39" actId="207"/>
+          <ac:spMkLst>
+            <pc:docMk/>
+            <pc:sldMk cId="3205943132" sldId="288"/>
+            <ac:spMk id="2" creationId="{D0D85A0C-C77E-FE55-F130-78DA836D640F}"/>
+          </ac:spMkLst>
+        </pc:spChg>
+      </pc:sldChg>
+      <pc:sldChg chg="modSp mod">
+        <pc:chgData name="Matthieu De Mari" userId="dfb708c9-d8dc-439f-9a3b-c772bf4a311c" providerId="ADAL" clId="{AD739655-7385-4A96-ABE9-4F08849AD375}" dt="2023-02-12T08:23:44.986" v="16" actId="207"/>
+        <pc:sldMkLst>
+          <pc:docMk/>
+          <pc:sldMk cId="3494937214" sldId="289"/>
+        </pc:sldMkLst>
+        <pc:spChg chg="mod">
+          <ac:chgData name="Matthieu De Mari" userId="dfb708c9-d8dc-439f-9a3b-c772bf4a311c" providerId="ADAL" clId="{AD739655-7385-4A96-ABE9-4F08849AD375}" dt="2023-02-12T08:23:44.986" v="16" actId="207"/>
+          <ac:spMkLst>
+            <pc:docMk/>
+            <pc:sldMk cId="3494937214" sldId="289"/>
+            <ac:spMk id="2" creationId="{E0E860F1-8881-403B-BD34-BADCD490B441}"/>
+          </ac:spMkLst>
+        </pc:spChg>
+      </pc:sldChg>
+      <pc:sldChg chg="modSp mod">
+        <pc:chgData name="Matthieu De Mari" userId="dfb708c9-d8dc-439f-9a3b-c772bf4a311c" providerId="ADAL" clId="{AD739655-7385-4A96-ABE9-4F08849AD375}" dt="2023-02-12T08:23:56.485" v="19" actId="207"/>
+        <pc:sldMkLst>
+          <pc:docMk/>
+          <pc:sldMk cId="3310429149" sldId="290"/>
+        </pc:sldMkLst>
+        <pc:spChg chg="mod">
+          <ac:chgData name="Matthieu De Mari" userId="dfb708c9-d8dc-439f-9a3b-c772bf4a311c" providerId="ADAL" clId="{AD739655-7385-4A96-ABE9-4F08849AD375}" dt="2023-02-12T08:23:56.485" v="19" actId="207"/>
+          <ac:spMkLst>
+            <pc:docMk/>
+            <pc:sldMk cId="3310429149" sldId="290"/>
+            <ac:spMk id="2" creationId="{124721CC-5C6E-8128-24EF-29CB873810AD}"/>
+          </ac:spMkLst>
+        </pc:spChg>
+      </pc:sldChg>
+      <pc:sldChg chg="modSp mod">
+        <pc:chgData name="Matthieu De Mari" userId="dfb708c9-d8dc-439f-9a3b-c772bf4a311c" providerId="ADAL" clId="{AD739655-7385-4A96-ABE9-4F08849AD375}" dt="2023-02-12T08:23:20.328" v="9" actId="207"/>
+        <pc:sldMkLst>
+          <pc:docMk/>
+          <pc:sldMk cId="1995408201" sldId="291"/>
+        </pc:sldMkLst>
+        <pc:spChg chg="mod">
+          <ac:chgData name="Matthieu De Mari" userId="dfb708c9-d8dc-439f-9a3b-c772bf4a311c" providerId="ADAL" clId="{AD739655-7385-4A96-ABE9-4F08849AD375}" dt="2023-02-12T08:23:20.328" v="9" actId="207"/>
+          <ac:spMkLst>
+            <pc:docMk/>
+            <pc:sldMk cId="1995408201" sldId="291"/>
+            <ac:spMk id="2" creationId="{C7A40B67-9C86-2550-D52B-4DDB631E8118}"/>
+          </ac:spMkLst>
+        </pc:spChg>
+      </pc:sldChg>
+      <pc:sldChg chg="modSp mod">
+        <pc:chgData name="Matthieu De Mari" userId="dfb708c9-d8dc-439f-9a3b-c772bf4a311c" providerId="ADAL" clId="{AD739655-7385-4A96-ABE9-4F08849AD375}" dt="2023-02-12T08:24:02.261" v="21" actId="207"/>
+        <pc:sldMkLst>
+          <pc:docMk/>
+          <pc:sldMk cId="2575020599" sldId="292"/>
+        </pc:sldMkLst>
+        <pc:spChg chg="mod">
+          <ac:chgData name="Matthieu De Mari" userId="dfb708c9-d8dc-439f-9a3b-c772bf4a311c" providerId="ADAL" clId="{AD739655-7385-4A96-ABE9-4F08849AD375}" dt="2023-02-12T08:24:02.261" v="21" actId="207"/>
+          <ac:spMkLst>
+            <pc:docMk/>
+            <pc:sldMk cId="2575020599" sldId="292"/>
+            <ac:spMk id="2" creationId="{B9F3AD33-3B3A-6789-8CFE-FE81B5BCB3A4}"/>
+          </ac:spMkLst>
+        </pc:spChg>
+      </pc:sldChg>
+      <pc:sldChg chg="modSp mod">
+        <pc:chgData name="Matthieu De Mari" userId="dfb708c9-d8dc-439f-9a3b-c772bf4a311c" providerId="ADAL" clId="{AD739655-7385-4A96-ABE9-4F08849AD375}" dt="2023-02-12T08:24:05.240" v="22" actId="207"/>
+        <pc:sldMkLst>
+          <pc:docMk/>
+          <pc:sldMk cId="2592076527" sldId="293"/>
+        </pc:sldMkLst>
+        <pc:spChg chg="mod">
+          <ac:chgData name="Matthieu De Mari" userId="dfb708c9-d8dc-439f-9a3b-c772bf4a311c" providerId="ADAL" clId="{AD739655-7385-4A96-ABE9-4F08849AD375}" dt="2023-02-12T08:24:05.240" v="22" actId="207"/>
+          <ac:spMkLst>
+            <pc:docMk/>
+            <pc:sldMk cId="2592076527" sldId="293"/>
+            <ac:spMk id="2" creationId="{AE1D4E66-45DE-AA93-27B1-FDD610CAF4F1}"/>
+          </ac:spMkLst>
+        </pc:spChg>
+      </pc:sldChg>
+      <pc:sldChg chg="modSp mod">
+        <pc:chgData name="Matthieu De Mari" userId="dfb708c9-d8dc-439f-9a3b-c772bf4a311c" providerId="ADAL" clId="{AD739655-7385-4A96-ABE9-4F08849AD375}" dt="2023-02-12T08:24:07.615" v="23" actId="207"/>
+        <pc:sldMkLst>
+          <pc:docMk/>
+          <pc:sldMk cId="1989247653" sldId="294"/>
+        </pc:sldMkLst>
+        <pc:spChg chg="mod">
+          <ac:chgData name="Matthieu De Mari" userId="dfb708c9-d8dc-439f-9a3b-c772bf4a311c" providerId="ADAL" clId="{AD739655-7385-4A96-ABE9-4F08849AD375}" dt="2023-02-12T08:24:07.615" v="23" actId="207"/>
+          <ac:spMkLst>
+            <pc:docMk/>
+            <pc:sldMk cId="1989247653" sldId="294"/>
+            <ac:spMk id="2" creationId="{3D43F819-0154-0162-FE38-55B2D8A87EEE}"/>
+          </ac:spMkLst>
+        </pc:spChg>
+      </pc:sldChg>
+      <pc:sldChg chg="modSp mod">
+        <pc:chgData name="Matthieu De Mari" userId="dfb708c9-d8dc-439f-9a3b-c772bf4a311c" providerId="ADAL" clId="{AD739655-7385-4A96-ABE9-4F08849AD375}" dt="2023-02-12T08:24:10.531" v="24" actId="207"/>
+        <pc:sldMkLst>
+          <pc:docMk/>
+          <pc:sldMk cId="4247791090" sldId="295"/>
+        </pc:sldMkLst>
+        <pc:spChg chg="mod">
+          <ac:chgData name="Matthieu De Mari" userId="dfb708c9-d8dc-439f-9a3b-c772bf4a311c" providerId="ADAL" clId="{AD739655-7385-4A96-ABE9-4F08849AD375}" dt="2023-02-12T08:24:10.531" v="24" actId="207"/>
+          <ac:spMkLst>
+            <pc:docMk/>
+            <pc:sldMk cId="4247791090" sldId="295"/>
+            <ac:spMk id="2" creationId="{6D4EC2CF-6557-2E7A-E506-1C3354D3ED8E}"/>
+          </ac:spMkLst>
+        </pc:spChg>
+      </pc:sldChg>
+      <pc:sldChg chg="modSp mod">
+        <pc:chgData name="Matthieu De Mari" userId="dfb708c9-d8dc-439f-9a3b-c772bf4a311c" providerId="ADAL" clId="{AD739655-7385-4A96-ABE9-4F08849AD375}" dt="2023-02-12T08:24:13.721" v="25" actId="207"/>
+        <pc:sldMkLst>
+          <pc:docMk/>
+          <pc:sldMk cId="4221634404" sldId="296"/>
+        </pc:sldMkLst>
+        <pc:spChg chg="mod">
+          <ac:chgData name="Matthieu De Mari" userId="dfb708c9-d8dc-439f-9a3b-c772bf4a311c" providerId="ADAL" clId="{AD739655-7385-4A96-ABE9-4F08849AD375}" dt="2023-02-12T08:24:13.721" v="25" actId="207"/>
+          <ac:spMkLst>
+            <pc:docMk/>
+            <pc:sldMk cId="4221634404" sldId="296"/>
+            <ac:spMk id="2" creationId="{BC03F3F0-8FF7-21A6-A65D-6A9744417477}"/>
+          </ac:spMkLst>
+        </pc:spChg>
+      </pc:sldChg>
+      <pc:sldChg chg="modSp mod">
+        <pc:chgData name="Matthieu De Mari" userId="dfb708c9-d8dc-439f-9a3b-c772bf4a311c" providerId="ADAL" clId="{AD739655-7385-4A96-ABE9-4F08849AD375}" dt="2023-02-12T08:24:24.697" v="29" actId="207"/>
+        <pc:sldMkLst>
+          <pc:docMk/>
+          <pc:sldMk cId="273413847" sldId="297"/>
+        </pc:sldMkLst>
+        <pc:spChg chg="mod">
+          <ac:chgData name="Matthieu De Mari" userId="dfb708c9-d8dc-439f-9a3b-c772bf4a311c" providerId="ADAL" clId="{AD739655-7385-4A96-ABE9-4F08849AD375}" dt="2023-02-12T08:24:24.697" v="29" actId="207"/>
+          <ac:spMkLst>
+            <pc:docMk/>
+            <pc:sldMk cId="273413847" sldId="297"/>
+            <ac:spMk id="2" creationId="{7A20DA1D-2185-F4BA-1D74-61067AF145C0}"/>
+          </ac:spMkLst>
+        </pc:spChg>
+      </pc:sldChg>
+      <pc:sldChg chg="modSp mod">
+        <pc:chgData name="Matthieu De Mari" userId="dfb708c9-d8dc-439f-9a3b-c772bf4a311c" providerId="ADAL" clId="{AD739655-7385-4A96-ABE9-4F08849AD375}" dt="2023-02-12T08:24:19.443" v="27" actId="207"/>
+        <pc:sldMkLst>
+          <pc:docMk/>
+          <pc:sldMk cId="1119806816" sldId="298"/>
+        </pc:sldMkLst>
+        <pc:spChg chg="mod">
+          <ac:chgData name="Matthieu De Mari" userId="dfb708c9-d8dc-439f-9a3b-c772bf4a311c" providerId="ADAL" clId="{AD739655-7385-4A96-ABE9-4F08849AD375}" dt="2023-02-12T08:24:19.443" v="27" actId="207"/>
+          <ac:spMkLst>
+            <pc:docMk/>
+            <pc:sldMk cId="1119806816" sldId="298"/>
+            <ac:spMk id="2" creationId="{3B6FCC6F-9818-2388-35D7-B85855E3B873}"/>
+          </ac:spMkLst>
+        </pc:spChg>
+      </pc:sldChg>
+      <pc:sldChg chg="modSp mod">
+        <pc:chgData name="Matthieu De Mari" userId="dfb708c9-d8dc-439f-9a3b-c772bf4a311c" providerId="ADAL" clId="{AD739655-7385-4A96-ABE9-4F08849AD375}" dt="2023-02-12T08:24:22.071" v="28" actId="207"/>
+        <pc:sldMkLst>
+          <pc:docMk/>
+          <pc:sldMk cId="4277684800" sldId="299"/>
+        </pc:sldMkLst>
+        <pc:spChg chg="mod">
+          <ac:chgData name="Matthieu De Mari" userId="dfb708c9-d8dc-439f-9a3b-c772bf4a311c" providerId="ADAL" clId="{AD739655-7385-4A96-ABE9-4F08849AD375}" dt="2023-02-12T08:24:22.071" v="28" actId="207"/>
+          <ac:spMkLst>
+            <pc:docMk/>
+            <pc:sldMk cId="4277684800" sldId="299"/>
+            <ac:spMk id="2" creationId="{797930DC-FC71-8FC2-00B3-BD3D8295E24C}"/>
+          </ac:spMkLst>
+        </pc:spChg>
+      </pc:sldChg>
+      <pc:sldChg chg="modSp mod">
+        <pc:chgData name="Matthieu De Mari" userId="dfb708c9-d8dc-439f-9a3b-c772bf4a311c" providerId="ADAL" clId="{AD739655-7385-4A96-ABE9-4F08849AD375}" dt="2023-02-12T08:24:31.601" v="31" actId="207"/>
+        <pc:sldMkLst>
+          <pc:docMk/>
+          <pc:sldMk cId="4008914437" sldId="300"/>
+        </pc:sldMkLst>
+        <pc:spChg chg="mod">
+          <ac:chgData name="Matthieu De Mari" userId="dfb708c9-d8dc-439f-9a3b-c772bf4a311c" providerId="ADAL" clId="{AD739655-7385-4A96-ABE9-4F08849AD375}" dt="2023-02-12T08:24:31.601" v="31" actId="207"/>
+          <ac:spMkLst>
+            <pc:docMk/>
+            <pc:sldMk cId="4008914437" sldId="300"/>
+            <ac:spMk id="2" creationId="{5FF76A88-E0C7-BDDD-ECAE-7E210CF7D484}"/>
+          </ac:spMkLst>
+        </pc:spChg>
+      </pc:sldChg>
+      <pc:sldChg chg="modSp mod">
+        <pc:chgData name="Matthieu De Mari" userId="dfb708c9-d8dc-439f-9a3b-c772bf4a311c" providerId="ADAL" clId="{AD739655-7385-4A96-ABE9-4F08849AD375}" dt="2023-02-12T08:24:36.219" v="32" actId="207"/>
+        <pc:sldMkLst>
+          <pc:docMk/>
+          <pc:sldMk cId="3176146636" sldId="301"/>
+        </pc:sldMkLst>
+        <pc:spChg chg="mod">
+          <ac:chgData name="Matthieu De Mari" userId="dfb708c9-d8dc-439f-9a3b-c772bf4a311c" providerId="ADAL" clId="{AD739655-7385-4A96-ABE9-4F08849AD375}" dt="2023-02-12T08:24:36.219" v="32" actId="207"/>
+          <ac:spMkLst>
+            <pc:docMk/>
+            <pc:sldMk cId="3176146636" sldId="301"/>
+            <ac:spMk id="2" creationId="{E31D3447-D4FD-7DA0-313E-467392A5509E}"/>
+          </ac:spMkLst>
+        </pc:spChg>
+      </pc:sldChg>
+      <pc:sldChg chg="modSp mod">
+        <pc:chgData name="Matthieu De Mari" userId="dfb708c9-d8dc-439f-9a3b-c772bf4a311c" providerId="ADAL" clId="{AD739655-7385-4A96-ABE9-4F08849AD375}" dt="2023-02-12T08:24:39.666" v="33" actId="207"/>
+        <pc:sldMkLst>
+          <pc:docMk/>
+          <pc:sldMk cId="1946913367" sldId="302"/>
+        </pc:sldMkLst>
+        <pc:spChg chg="mod">
+          <ac:chgData name="Matthieu De Mari" userId="dfb708c9-d8dc-439f-9a3b-c772bf4a311c" providerId="ADAL" clId="{AD739655-7385-4A96-ABE9-4F08849AD375}" dt="2023-02-12T08:24:39.666" v="33" actId="207"/>
+          <ac:spMkLst>
+            <pc:docMk/>
+            <pc:sldMk cId="1946913367" sldId="302"/>
+            <ac:spMk id="2" creationId="{2DD597F7-D08D-3087-8078-D86A7CA6D48C}"/>
+          </ac:spMkLst>
+        </pc:spChg>
+      </pc:sldChg>
+      <pc:sldChg chg="modSp mod">
+        <pc:chgData name="Matthieu De Mari" userId="dfb708c9-d8dc-439f-9a3b-c772bf4a311c" providerId="ADAL" clId="{AD739655-7385-4A96-ABE9-4F08849AD375}" dt="2023-02-12T08:24:48.663" v="35" actId="207"/>
+        <pc:sldMkLst>
+          <pc:docMk/>
+          <pc:sldMk cId="73842730" sldId="303"/>
+        </pc:sldMkLst>
+        <pc:spChg chg="mod">
+          <ac:chgData name="Matthieu De Mari" userId="dfb708c9-d8dc-439f-9a3b-c772bf4a311c" providerId="ADAL" clId="{AD739655-7385-4A96-ABE9-4F08849AD375}" dt="2023-02-12T08:24:48.663" v="35" actId="207"/>
+          <ac:spMkLst>
+            <pc:docMk/>
+            <pc:sldMk cId="73842730" sldId="303"/>
+            <ac:spMk id="2" creationId="{C20B5437-D2FC-FF29-CCFF-54A1FF6EF690}"/>
+          </ac:spMkLst>
+        </pc:spChg>
+      </pc:sldChg>
+      <pc:sldChg chg="modSp mod">
+        <pc:chgData name="Matthieu De Mari" userId="dfb708c9-d8dc-439f-9a3b-c772bf4a311c" providerId="ADAL" clId="{AD739655-7385-4A96-ABE9-4F08849AD375}" dt="2023-02-12T08:24:52.709" v="36" actId="207"/>
+        <pc:sldMkLst>
+          <pc:docMk/>
+          <pc:sldMk cId="1667186538" sldId="304"/>
+        </pc:sldMkLst>
+        <pc:spChg chg="mod">
+          <ac:chgData name="Matthieu De Mari" userId="dfb708c9-d8dc-439f-9a3b-c772bf4a311c" providerId="ADAL" clId="{AD739655-7385-4A96-ABE9-4F08849AD375}" dt="2023-02-12T08:24:52.709" v="36" actId="207"/>
+          <ac:spMkLst>
+            <pc:docMk/>
+            <pc:sldMk cId="1667186538" sldId="304"/>
+            <ac:spMk id="2" creationId="{C20B5437-D2FC-FF29-CCFF-54A1FF6EF690}"/>
+          </ac:spMkLst>
+        </pc:spChg>
+      </pc:sldChg>
+      <pc:sldChg chg="modSp mod">
+        <pc:chgData name="Matthieu De Mari" userId="dfb708c9-d8dc-439f-9a3b-c772bf4a311c" providerId="ADAL" clId="{AD739655-7385-4A96-ABE9-4F08849AD375}" dt="2023-02-12T08:24:43.813" v="34" actId="207"/>
+        <pc:sldMkLst>
+          <pc:docMk/>
+          <pc:sldMk cId="3196617618" sldId="305"/>
+        </pc:sldMkLst>
+        <pc:spChg chg="mod">
+          <ac:chgData name="Matthieu De Mari" userId="dfb708c9-d8dc-439f-9a3b-c772bf4a311c" providerId="ADAL" clId="{AD739655-7385-4A96-ABE9-4F08849AD375}" dt="2023-02-12T08:24:43.813" v="34" actId="207"/>
+          <ac:spMkLst>
+            <pc:docMk/>
+            <pc:sldMk cId="3196617618" sldId="305"/>
+            <ac:spMk id="2" creationId="{F28EC9DA-3777-702C-14C2-5259228F964D}"/>
+          </ac:spMkLst>
+        </pc:spChg>
+      </pc:sldChg>
+      <pc:sldChg chg="modSp mod">
+        <pc:chgData name="Matthieu De Mari" userId="dfb708c9-d8dc-439f-9a3b-c772bf4a311c" providerId="ADAL" clId="{AD739655-7385-4A96-ABE9-4F08849AD375}" dt="2023-02-12T08:25:02.404" v="38" actId="207"/>
+        <pc:sldMkLst>
+          <pc:docMk/>
+          <pc:sldMk cId="3694486531" sldId="306"/>
+        </pc:sldMkLst>
+        <pc:spChg chg="mod">
+          <ac:chgData name="Matthieu De Mari" userId="dfb708c9-d8dc-439f-9a3b-c772bf4a311c" providerId="ADAL" clId="{AD739655-7385-4A96-ABE9-4F08849AD375}" dt="2023-02-12T08:25:02.404" v="38" actId="207"/>
+          <ac:spMkLst>
+            <pc:docMk/>
+            <pc:sldMk cId="3694486531" sldId="306"/>
+            <ac:spMk id="2" creationId="{39F0369C-6F32-D82B-3032-EE71AFA2FFBA}"/>
+          </ac:spMkLst>
+        </pc:spChg>
+      </pc:sldChg>
+      <pc:sldChg chg="modSp mod">
+        <pc:chgData name="Matthieu De Mari" userId="dfb708c9-d8dc-439f-9a3b-c772bf4a311c" providerId="ADAL" clId="{AD739655-7385-4A96-ABE9-4F08849AD375}" dt="2023-02-12T08:25:11.449" v="40" actId="207"/>
+        <pc:sldMkLst>
+          <pc:docMk/>
+          <pc:sldMk cId="4145787390" sldId="307"/>
+        </pc:sldMkLst>
+        <pc:spChg chg="mod">
+          <ac:chgData name="Matthieu De Mari" userId="dfb708c9-d8dc-439f-9a3b-c772bf4a311c" providerId="ADAL" clId="{AD739655-7385-4A96-ABE9-4F08849AD375}" dt="2023-02-12T08:25:11.449" v="40" actId="207"/>
+          <ac:spMkLst>
+            <pc:docMk/>
+            <pc:sldMk cId="4145787390" sldId="307"/>
+            <ac:spMk id="2" creationId="{626E83E9-F13C-5562-5E9C-4D34EB1ACBA1}"/>
+          </ac:spMkLst>
+        </pc:spChg>
+      </pc:sldChg>
+      <pc:sldChg chg="modSp mod">
+        <pc:chgData name="Matthieu De Mari" userId="dfb708c9-d8dc-439f-9a3b-c772bf4a311c" providerId="ADAL" clId="{AD739655-7385-4A96-ABE9-4F08849AD375}" dt="2023-02-12T08:25:13.385" v="41" actId="207"/>
+        <pc:sldMkLst>
+          <pc:docMk/>
+          <pc:sldMk cId="251933400" sldId="308"/>
+        </pc:sldMkLst>
+        <pc:spChg chg="mod">
+          <ac:chgData name="Matthieu De Mari" userId="dfb708c9-d8dc-439f-9a3b-c772bf4a311c" providerId="ADAL" clId="{AD739655-7385-4A96-ABE9-4F08849AD375}" dt="2023-02-12T08:25:13.385" v="41" actId="207"/>
+          <ac:spMkLst>
+            <pc:docMk/>
+            <pc:sldMk cId="251933400" sldId="308"/>
+            <ac:spMk id="2" creationId="{CE1BACDB-A713-251B-F9DF-21586B624674}"/>
+          </ac:spMkLst>
+        </pc:spChg>
+      </pc:sldChg>
+      <pc:sldChg chg="modSp mod">
+        <pc:chgData name="Matthieu De Mari" userId="dfb708c9-d8dc-439f-9a3b-c772bf4a311c" providerId="ADAL" clId="{AD739655-7385-4A96-ABE9-4F08849AD375}" dt="2023-02-12T08:25:16.129" v="42" actId="207"/>
+        <pc:sldMkLst>
+          <pc:docMk/>
+          <pc:sldMk cId="2798028317" sldId="309"/>
+        </pc:sldMkLst>
+        <pc:spChg chg="mod">
+          <ac:chgData name="Matthieu De Mari" userId="dfb708c9-d8dc-439f-9a3b-c772bf4a311c" providerId="ADAL" clId="{AD739655-7385-4A96-ABE9-4F08849AD375}" dt="2023-02-12T08:25:16.129" v="42" actId="207"/>
+          <ac:spMkLst>
+            <pc:docMk/>
+            <pc:sldMk cId="2798028317" sldId="309"/>
+            <ac:spMk id="2" creationId="{D5742BBC-9A1F-4795-D7AA-79D284E79091}"/>
+          </ac:spMkLst>
+        </pc:spChg>
+      </pc:sldChg>
+      <pc:sldChg chg="modSp mod">
+        <pc:chgData name="Matthieu De Mari" userId="dfb708c9-d8dc-439f-9a3b-c772bf4a311c" providerId="ADAL" clId="{AD739655-7385-4A96-ABE9-4F08849AD375}" dt="2023-02-12T08:25:20.558" v="43" actId="207"/>
+        <pc:sldMkLst>
+          <pc:docMk/>
+          <pc:sldMk cId="1298605452" sldId="310"/>
+        </pc:sldMkLst>
+        <pc:spChg chg="mod">
+          <ac:chgData name="Matthieu De Mari" userId="dfb708c9-d8dc-439f-9a3b-c772bf4a311c" providerId="ADAL" clId="{AD739655-7385-4A96-ABE9-4F08849AD375}" dt="2023-02-12T08:25:20.558" v="43" actId="207"/>
+          <ac:spMkLst>
+            <pc:docMk/>
+            <pc:sldMk cId="1298605452" sldId="310"/>
+            <ac:spMk id="2" creationId="{AA4EE9E0-6B5D-BB04-B607-572C9CF8DC43}"/>
+          </ac:spMkLst>
+        </pc:spChg>
+      </pc:sldChg>
+      <pc:sldChg chg="modSp mod">
+        <pc:chgData name="Matthieu De Mari" userId="dfb708c9-d8dc-439f-9a3b-c772bf4a311c" providerId="ADAL" clId="{AD739655-7385-4A96-ABE9-4F08849AD375}" dt="2023-02-12T08:25:22.815" v="44" actId="207"/>
+        <pc:sldMkLst>
+          <pc:docMk/>
+          <pc:sldMk cId="3929704322" sldId="311"/>
+        </pc:sldMkLst>
+        <pc:spChg chg="mod">
+          <ac:chgData name="Matthieu De Mari" userId="dfb708c9-d8dc-439f-9a3b-c772bf4a311c" providerId="ADAL" clId="{AD739655-7385-4A96-ABE9-4F08849AD375}" dt="2023-02-12T08:25:22.815" v="44" actId="207"/>
+          <ac:spMkLst>
+            <pc:docMk/>
+            <pc:sldMk cId="3929704322" sldId="311"/>
+            <ac:spMk id="2" creationId="{C456EE62-22A1-D148-D707-669FB6274ECF}"/>
+          </ac:spMkLst>
+        </pc:spChg>
+      </pc:sldChg>
+      <pc:sldChg chg="modSp mod">
+        <pc:chgData name="Matthieu De Mari" userId="dfb708c9-d8dc-439f-9a3b-c772bf4a311c" providerId="ADAL" clId="{AD739655-7385-4A96-ABE9-4F08849AD375}" dt="2023-02-12T08:25:25.715" v="45" actId="207"/>
+        <pc:sldMkLst>
+          <pc:docMk/>
+          <pc:sldMk cId="1094626565" sldId="312"/>
+        </pc:sldMkLst>
+        <pc:spChg chg="mod">
+          <ac:chgData name="Matthieu De Mari" userId="dfb708c9-d8dc-439f-9a3b-c772bf4a311c" providerId="ADAL" clId="{AD739655-7385-4A96-ABE9-4F08849AD375}" dt="2023-02-12T08:25:25.715" v="45" actId="207"/>
+          <ac:spMkLst>
+            <pc:docMk/>
+            <pc:sldMk cId="1094626565" sldId="312"/>
+            <ac:spMk id="2" creationId="{8E4D7EF5-CCF0-9B42-812B-B12A94B3919E}"/>
+          </ac:spMkLst>
+        </pc:spChg>
+      </pc:sldChg>
+      <pc:sldChg chg="modSp mod">
+        <pc:chgData name="Matthieu De Mari" userId="dfb708c9-d8dc-439f-9a3b-c772bf4a311c" providerId="ADAL" clId="{AD739655-7385-4A96-ABE9-4F08849AD375}" dt="2023-02-12T08:25:28.583" v="46" actId="207"/>
+        <pc:sldMkLst>
+          <pc:docMk/>
+          <pc:sldMk cId="3867076344" sldId="313"/>
+        </pc:sldMkLst>
+        <pc:spChg chg="mod">
+          <ac:chgData name="Matthieu De Mari" userId="dfb708c9-d8dc-439f-9a3b-c772bf4a311c" providerId="ADAL" clId="{AD739655-7385-4A96-ABE9-4F08849AD375}" dt="2023-02-12T08:25:28.583" v="46" actId="207"/>
+          <ac:spMkLst>
+            <pc:docMk/>
+            <pc:sldMk cId="3867076344" sldId="313"/>
+            <ac:spMk id="2" creationId="{434F31A7-0E02-C27C-6E97-358C97DCAF7D}"/>
+          </ac:spMkLst>
+        </pc:spChg>
+      </pc:sldChg>
+      <pc:sldChg chg="modSp mod">
+        <pc:chgData name="Matthieu De Mari" userId="dfb708c9-d8dc-439f-9a3b-c772bf4a311c" providerId="ADAL" clId="{AD739655-7385-4A96-ABE9-4F08849AD375}" dt="2023-02-12T08:25:38.729" v="47" actId="207"/>
+        <pc:sldMkLst>
+          <pc:docMk/>
+          <pc:sldMk cId="2932034236" sldId="314"/>
+        </pc:sldMkLst>
+        <pc:spChg chg="mod">
+          <ac:chgData name="Matthieu De Mari" userId="dfb708c9-d8dc-439f-9a3b-c772bf4a311c" providerId="ADAL" clId="{AD739655-7385-4A96-ABE9-4F08849AD375}" dt="2023-02-12T08:25:38.729" v="47" actId="207"/>
+          <ac:spMkLst>
+            <pc:docMk/>
+            <pc:sldMk cId="2932034236" sldId="314"/>
+            <ac:spMk id="2" creationId="{B3132A0C-E2E7-EDF7-D357-5118E9FBCD2D}"/>
+          </ac:spMkLst>
+        </pc:spChg>
+      </pc:sldChg>
+      <pc:sldChg chg="modSp mod">
+        <pc:chgData name="Matthieu De Mari" userId="dfb708c9-d8dc-439f-9a3b-c772bf4a311c" providerId="ADAL" clId="{AD739655-7385-4A96-ABE9-4F08849AD375}" dt="2023-02-12T08:25:50.348" v="50" actId="207"/>
+        <pc:sldMkLst>
+          <pc:docMk/>
+          <pc:sldMk cId="3419171179" sldId="315"/>
+        </pc:sldMkLst>
+        <pc:spChg chg="mod">
+          <ac:chgData name="Matthieu De Mari" userId="dfb708c9-d8dc-439f-9a3b-c772bf4a311c" providerId="ADAL" clId="{AD739655-7385-4A96-ABE9-4F08849AD375}" dt="2023-02-12T08:25:50.348" v="50" actId="207"/>
+          <ac:spMkLst>
+            <pc:docMk/>
+            <pc:sldMk cId="3419171179" sldId="315"/>
+            <ac:spMk id="2" creationId="{916E0102-9ADD-AE01-192F-D72CBA5978E8}"/>
+          </ac:spMkLst>
+        </pc:spChg>
+      </pc:sldChg>
+      <pc:sldChg chg="modSp mod">
+        <pc:chgData name="Matthieu De Mari" userId="dfb708c9-d8dc-439f-9a3b-c772bf4a311c" providerId="ADAL" clId="{AD739655-7385-4A96-ABE9-4F08849AD375}" dt="2023-02-12T08:25:42.013" v="48" actId="207"/>
+        <pc:sldMkLst>
+          <pc:docMk/>
+          <pc:sldMk cId="3723060445" sldId="316"/>
+        </pc:sldMkLst>
+        <pc:spChg chg="mod">
+          <ac:chgData name="Matthieu De Mari" userId="dfb708c9-d8dc-439f-9a3b-c772bf4a311c" providerId="ADAL" clId="{AD739655-7385-4A96-ABE9-4F08849AD375}" dt="2023-02-12T08:25:42.013" v="48" actId="207"/>
+          <ac:spMkLst>
+            <pc:docMk/>
+            <pc:sldMk cId="3723060445" sldId="316"/>
+            <ac:spMk id="2" creationId="{983665D1-97FA-3563-1F73-F2D95CC19C6D}"/>
+          </ac:spMkLst>
+        </pc:spChg>
+      </pc:sldChg>
+      <pc:sldChg chg="modSp mod">
+        <pc:chgData name="Matthieu De Mari" userId="dfb708c9-d8dc-439f-9a3b-c772bf4a311c" providerId="ADAL" clId="{AD739655-7385-4A96-ABE9-4F08849AD375}" dt="2023-02-12T08:25:44.254" v="49" actId="207"/>
+        <pc:sldMkLst>
+          <pc:docMk/>
+          <pc:sldMk cId="1377919867" sldId="319"/>
+        </pc:sldMkLst>
+        <pc:spChg chg="mod">
+          <ac:chgData name="Matthieu De Mari" userId="dfb708c9-d8dc-439f-9a3b-c772bf4a311c" providerId="ADAL" clId="{AD739655-7385-4A96-ABE9-4F08849AD375}" dt="2023-02-12T08:25:44.254" v="49" actId="207"/>
+          <ac:spMkLst>
+            <pc:docMk/>
+            <pc:sldMk cId="1377919867" sldId="319"/>
+            <ac:spMk id="2" creationId="{F149C55D-45EA-5638-D050-1BEA5C18628A}"/>
+          </ac:spMkLst>
+        </pc:spChg>
+      </pc:sldChg>
+      <pc:sldChg chg="modSp mod">
+        <pc:chgData name="Matthieu De Mari" userId="dfb708c9-d8dc-439f-9a3b-c772bf4a311c" providerId="ADAL" clId="{AD739655-7385-4A96-ABE9-4F08849AD375}" dt="2023-02-12T08:24:56.088" v="37" actId="207"/>
+        <pc:sldMkLst>
+          <pc:docMk/>
+          <pc:sldMk cId="228060568" sldId="320"/>
+        </pc:sldMkLst>
+        <pc:spChg chg="mod">
+          <ac:chgData name="Matthieu De Mari" userId="dfb708c9-d8dc-439f-9a3b-c772bf4a311c" providerId="ADAL" clId="{AD739655-7385-4A96-ABE9-4F08849AD375}" dt="2023-02-12T08:24:56.088" v="37" actId="207"/>
+          <ac:spMkLst>
+            <pc:docMk/>
+            <pc:sldMk cId="228060568" sldId="320"/>
+            <ac:spMk id="2" creationId="{C20B5437-D2FC-FF29-CCFF-54A1FF6EF690}"/>
+          </ac:spMkLst>
+        </pc:spChg>
+      </pc:sldChg>
+    </pc:docChg>
+  </pc:docChgLst>
 </pc:chgInfo>
 </file>
 
@@ -2769,7 +3543,7 @@
           <a:p>
             <a:fld id="{4883D5E9-8116-4EC0-A73B-7B504502F662}" type="datetimeFigureOut">
               <a:rPr lang="en-SG" smtClean="0"/>
-              <a:t>23/1/2023</a:t>
+              <a:t>12/2/2023</a:t>
             </a:fld>
             <a:endParaRPr lang="en-SG"/>
           </a:p>
@@ -2969,7 +3743,7 @@
           <a:p>
             <a:fld id="{4883D5E9-8116-4EC0-A73B-7B504502F662}" type="datetimeFigureOut">
               <a:rPr lang="en-SG" smtClean="0"/>
-              <a:t>23/1/2023</a:t>
+              <a:t>12/2/2023</a:t>
             </a:fld>
             <a:endParaRPr lang="en-SG"/>
           </a:p>
@@ -3179,7 +3953,7 @@
           <a:p>
             <a:fld id="{4883D5E9-8116-4EC0-A73B-7B504502F662}" type="datetimeFigureOut">
               <a:rPr lang="en-SG" smtClean="0"/>
-              <a:t>23/1/2023</a:t>
+              <a:t>12/2/2023</a:t>
             </a:fld>
             <a:endParaRPr lang="en-SG"/>
           </a:p>
@@ -3379,7 +4153,7 @@
           <a:p>
             <a:fld id="{4883D5E9-8116-4EC0-A73B-7B504502F662}" type="datetimeFigureOut">
               <a:rPr lang="en-SG" smtClean="0"/>
-              <a:t>23/1/2023</a:t>
+              <a:t>12/2/2023</a:t>
             </a:fld>
             <a:endParaRPr lang="en-SG"/>
           </a:p>
@@ -3655,7 +4429,7 @@
           <a:p>
             <a:fld id="{4883D5E9-8116-4EC0-A73B-7B504502F662}" type="datetimeFigureOut">
               <a:rPr lang="en-SG" smtClean="0"/>
-              <a:t>23/1/2023</a:t>
+              <a:t>12/2/2023</a:t>
             </a:fld>
             <a:endParaRPr lang="en-SG"/>
           </a:p>
@@ -3923,7 +4697,7 @@
           <a:p>
             <a:fld id="{4883D5E9-8116-4EC0-A73B-7B504502F662}" type="datetimeFigureOut">
               <a:rPr lang="en-SG" smtClean="0"/>
-              <a:t>23/1/2023</a:t>
+              <a:t>12/2/2023</a:t>
             </a:fld>
             <a:endParaRPr lang="en-SG"/>
           </a:p>
@@ -4338,7 +5112,7 @@
           <a:p>
             <a:fld id="{4883D5E9-8116-4EC0-A73B-7B504502F662}" type="datetimeFigureOut">
               <a:rPr lang="en-SG" smtClean="0"/>
-              <a:t>23/1/2023</a:t>
+              <a:t>12/2/2023</a:t>
             </a:fld>
             <a:endParaRPr lang="en-SG"/>
           </a:p>
@@ -4480,7 +5254,7 @@
           <a:p>
             <a:fld id="{4883D5E9-8116-4EC0-A73B-7B504502F662}" type="datetimeFigureOut">
               <a:rPr lang="en-SG" smtClean="0"/>
-              <a:t>23/1/2023</a:t>
+              <a:t>12/2/2023</a:t>
             </a:fld>
             <a:endParaRPr lang="en-SG"/>
           </a:p>
@@ -4593,7 +5367,7 @@
           <a:p>
             <a:fld id="{4883D5E9-8116-4EC0-A73B-7B504502F662}" type="datetimeFigureOut">
               <a:rPr lang="en-SG" smtClean="0"/>
-              <a:t>23/1/2023</a:t>
+              <a:t>12/2/2023</a:t>
             </a:fld>
             <a:endParaRPr lang="en-SG"/>
           </a:p>
@@ -4906,7 +5680,7 @@
           <a:p>
             <a:fld id="{4883D5E9-8116-4EC0-A73B-7B504502F662}" type="datetimeFigureOut">
               <a:rPr lang="en-SG" smtClean="0"/>
-              <a:t>23/1/2023</a:t>
+              <a:t>12/2/2023</a:t>
             </a:fld>
             <a:endParaRPr lang="en-SG"/>
           </a:p>
@@ -5195,7 +5969,7 @@
           <a:p>
             <a:fld id="{4883D5E9-8116-4EC0-A73B-7B504502F662}" type="datetimeFigureOut">
               <a:rPr lang="en-SG" smtClean="0"/>
-              <a:t>23/1/2023</a:t>
+              <a:t>12/2/2023</a:t>
             </a:fld>
             <a:endParaRPr lang="en-SG"/>
           </a:p>
@@ -5438,7 +6212,7 @@
           <a:p>
             <a:fld id="{4883D5E9-8116-4EC0-A73B-7B504502F662}" type="datetimeFigureOut">
               <a:rPr lang="en-SG" smtClean="0"/>
-              <a:t>23/1/2023</a:t>
+              <a:t>12/2/2023</a:t>
             </a:fld>
             <a:endParaRPr lang="en-SG"/>
           </a:p>
@@ -6304,14 +7078,14 @@
             <a:r>
               <a:rPr lang="en-GB" dirty="0">
                 <a:solidFill>
-                  <a:schemeClr val="accent2"/>
+                  <a:srgbClr val="00B050"/>
                 </a:solidFill>
               </a:rPr>
               <a:t>A starting point for ML and DL</a:t>
             </a:r>
             <a:endParaRPr lang="en-SG" dirty="0">
               <a:solidFill>
-                <a:schemeClr val="accent2"/>
+                <a:srgbClr val="00B050"/>
               </a:solidFill>
             </a:endParaRPr>
           </a:p>
@@ -6698,14 +7472,14 @@
             <a:r>
               <a:rPr lang="en-GB" dirty="0">
                 <a:solidFill>
-                  <a:schemeClr val="accent2"/>
+                  <a:srgbClr val="00B050"/>
                 </a:solidFill>
               </a:rPr>
               <a:t>A visual explanation for w and b parameters</a:t>
             </a:r>
             <a:endParaRPr lang="en-SG" dirty="0">
               <a:solidFill>
-                <a:schemeClr val="accent2"/>
+                <a:srgbClr val="00B050"/>
               </a:solidFill>
             </a:endParaRPr>
           </a:p>
@@ -6812,14 +7586,14 @@
             <a:r>
               <a:rPr lang="en-GB" dirty="0">
                 <a:solidFill>
-                  <a:schemeClr val="accent2"/>
+                  <a:srgbClr val="00B050"/>
                 </a:solidFill>
               </a:rPr>
               <a:t>The need for a train/test set</a:t>
             </a:r>
             <a:endParaRPr lang="en-SG" dirty="0">
               <a:solidFill>
-                <a:schemeClr val="accent2"/>
+                <a:srgbClr val="00B050"/>
               </a:solidFill>
             </a:endParaRPr>
           </a:p>
@@ -6947,14 +7721,14 @@
             <a:r>
               <a:rPr lang="en-GB" dirty="0">
                 <a:solidFill>
-                  <a:schemeClr val="accent2"/>
+                  <a:srgbClr val="00B050"/>
                 </a:solidFill>
               </a:rPr>
               <a:t>On the polynomial regression </a:t>
             </a:r>
             <a:endParaRPr lang="en-SG" dirty="0">
               <a:solidFill>
-                <a:schemeClr val="accent2"/>
+                <a:srgbClr val="00B050"/>
               </a:solidFill>
             </a:endParaRPr>
           </a:p>
@@ -7061,14 +7835,14 @@
             <a:r>
               <a:rPr lang="en-GB" dirty="0">
                 <a:solidFill>
-                  <a:schemeClr val="accent2"/>
+                  <a:srgbClr val="00B050"/>
                 </a:solidFill>
               </a:rPr>
               <a:t>Recap slide on overfitting vs underfitting</a:t>
             </a:r>
             <a:endParaRPr lang="en-SG" dirty="0">
               <a:solidFill>
-                <a:schemeClr val="accent2"/>
+                <a:srgbClr val="00B050"/>
               </a:solidFill>
             </a:endParaRPr>
           </a:p>
@@ -7195,14 +7969,14 @@
             <a:r>
               <a:rPr lang="en-GB" dirty="0">
                 <a:solidFill>
-                  <a:schemeClr val="accent2"/>
+                  <a:srgbClr val="00B050"/>
                 </a:solidFill>
               </a:rPr>
               <a:t>Data must follow complexity of the model</a:t>
             </a:r>
             <a:endParaRPr lang="en-SG" dirty="0">
               <a:solidFill>
-                <a:schemeClr val="accent2"/>
+                <a:srgbClr val="00B050"/>
               </a:solidFill>
             </a:endParaRPr>
           </a:p>
@@ -7425,14 +8199,14 @@
             <a:r>
               <a:rPr lang="en-GB" dirty="0">
                 <a:solidFill>
-                  <a:schemeClr val="accent2"/>
+                  <a:srgbClr val="00B050"/>
                 </a:solidFill>
               </a:rPr>
               <a:t>From polynomial regression to multiparameter regression</a:t>
             </a:r>
             <a:endParaRPr lang="en-SG" dirty="0">
               <a:solidFill>
-                <a:schemeClr val="accent2"/>
+                <a:srgbClr val="00B050"/>
               </a:solidFill>
             </a:endParaRPr>
           </a:p>
@@ -7540,14 +8314,14 @@
             <a:r>
               <a:rPr lang="en-GB" dirty="0">
                 <a:solidFill>
-                  <a:schemeClr val="accent2"/>
+                  <a:srgbClr val="00B050"/>
                 </a:solidFill>
               </a:rPr>
               <a:t>Derivatives, gradients and backprop</a:t>
             </a:r>
             <a:endParaRPr lang="en-SG" dirty="0">
               <a:solidFill>
-                <a:schemeClr val="accent2"/>
+                <a:srgbClr val="00B050"/>
               </a:solidFill>
             </a:endParaRPr>
           </a:p>
@@ -7655,14 +8429,14 @@
             <a:r>
               <a:rPr lang="en-GB" dirty="0">
                 <a:solidFill>
-                  <a:schemeClr val="accent2"/>
+                  <a:srgbClr val="00B050"/>
                 </a:solidFill>
               </a:rPr>
               <a:t>Reminder on gradients</a:t>
             </a:r>
             <a:endParaRPr lang="en-SG" dirty="0">
               <a:solidFill>
-                <a:schemeClr val="accent2"/>
+                <a:srgbClr val="00B050"/>
               </a:solidFill>
             </a:endParaRPr>
           </a:p>
@@ -7766,14 +8540,14 @@
             <a:r>
               <a:rPr lang="en-GB" dirty="0">
                 <a:solidFill>
-                  <a:schemeClr val="accent2"/>
+                  <a:srgbClr val="00B050"/>
                 </a:solidFill>
               </a:rPr>
               <a:t>From linear to ridge regression</a:t>
             </a:r>
             <a:endParaRPr lang="en-SG" dirty="0">
               <a:solidFill>
-                <a:schemeClr val="accent2"/>
+                <a:srgbClr val="00B050"/>
               </a:solidFill>
             </a:endParaRPr>
           </a:p>
@@ -7873,14 +8647,14 @@
             <a:r>
               <a:rPr lang="en-GB" dirty="0">
                 <a:solidFill>
-                  <a:schemeClr val="accent2"/>
+                  <a:srgbClr val="00B050"/>
                 </a:solidFill>
               </a:rPr>
               <a:t>From linear regression to (binary) logistic regression for (binary) classification</a:t>
             </a:r>
             <a:endParaRPr lang="en-SG" dirty="0">
               <a:solidFill>
-                <a:schemeClr val="accent2"/>
+                <a:srgbClr val="00B050"/>
               </a:solidFill>
             </a:endParaRPr>
           </a:p>
@@ -8046,14 +8820,14 @@
             <a:r>
               <a:rPr lang="en-GB" dirty="0">
                 <a:solidFill>
-                  <a:schemeClr val="accent2"/>
+                  <a:srgbClr val="00B050"/>
                 </a:solidFill>
               </a:rPr>
               <a:t>Combining everything in logistic regression</a:t>
             </a:r>
             <a:endParaRPr lang="en-SG" dirty="0">
               <a:solidFill>
-                <a:schemeClr val="accent2"/>
+                <a:srgbClr val="00B050"/>
               </a:solidFill>
             </a:endParaRPr>
           </a:p>
@@ -8206,14 +8980,14 @@
             <a:r>
               <a:rPr lang="en-GB" dirty="0">
                 <a:solidFill>
-                  <a:schemeClr val="accent2"/>
+                  <a:srgbClr val="00B050"/>
                 </a:solidFill>
               </a:rPr>
               <a:t>Deriving the logistic loss function</a:t>
             </a:r>
             <a:endParaRPr lang="en-SG" dirty="0">
               <a:solidFill>
-                <a:schemeClr val="accent2"/>
+                <a:srgbClr val="00B050"/>
               </a:solidFill>
             </a:endParaRPr>
           </a:p>
@@ -8359,14 +9133,14 @@
             <a:r>
               <a:rPr lang="en-GB" dirty="0">
                 <a:solidFill>
-                  <a:srgbClr val="FF0000"/>
+                  <a:srgbClr val="00B050"/>
                 </a:solidFill>
               </a:rPr>
               <a:t>Discussion about biology and neurons</a:t>
             </a:r>
             <a:endParaRPr lang="en-SG" dirty="0">
               <a:solidFill>
-                <a:srgbClr val="FF0000"/>
+                <a:srgbClr val="00B050"/>
               </a:solidFill>
             </a:endParaRPr>
           </a:p>
@@ -8511,14 +9285,14 @@
             <a:r>
               <a:rPr lang="en-GB" dirty="0">
                 <a:solidFill>
-                  <a:schemeClr val="accent2"/>
+                  <a:srgbClr val="00B050"/>
                 </a:solidFill>
               </a:rPr>
               <a:t>Shallow NN</a:t>
             </a:r>
             <a:endParaRPr lang="en-SG" dirty="0">
               <a:solidFill>
-                <a:schemeClr val="accent2"/>
+                <a:srgbClr val="00B050"/>
               </a:solidFill>
             </a:endParaRPr>
           </a:p>
@@ -8630,14 +9404,14 @@
             <a:r>
               <a:rPr lang="en-GB" dirty="0">
                 <a:solidFill>
-                  <a:schemeClr val="accent2"/>
+                  <a:srgbClr val="00B050"/>
                 </a:solidFill>
               </a:rPr>
               <a:t>What happens if we do not have activation functions on all neurons?</a:t>
             </a:r>
             <a:endParaRPr lang="en-SG" dirty="0">
               <a:solidFill>
-                <a:schemeClr val="accent2"/>
+                <a:srgbClr val="00B050"/>
               </a:solidFill>
             </a:endParaRPr>
           </a:p>
@@ -8855,14 +9629,14 @@
             <a:r>
               <a:rPr lang="en-GB" dirty="0">
                 <a:solidFill>
-                  <a:schemeClr val="accent2"/>
+                  <a:srgbClr val="00B050"/>
                 </a:solidFill>
               </a:rPr>
               <a:t>Discussing possible activation functions</a:t>
             </a:r>
             <a:endParaRPr lang="en-SG" dirty="0">
               <a:solidFill>
-                <a:schemeClr val="accent2"/>
+                <a:srgbClr val="00B050"/>
               </a:solidFill>
             </a:endParaRPr>
           </a:p>
@@ -8990,14 +9764,14 @@
             <a:r>
               <a:rPr lang="en-GB" dirty="0">
                 <a:solidFill>
-                  <a:schemeClr val="accent2"/>
+                  <a:srgbClr val="00B050"/>
                 </a:solidFill>
               </a:rPr>
               <a:t>Show that Shallow NNs are good</a:t>
             </a:r>
             <a:endParaRPr lang="en-SG" dirty="0">
               <a:solidFill>
-                <a:schemeClr val="accent2"/>
+                <a:srgbClr val="00B050"/>
               </a:solidFill>
             </a:endParaRPr>
           </a:p>
@@ -9104,14 +9878,14 @@
             <a:r>
               <a:rPr lang="en-GB" dirty="0">
                 <a:solidFill>
-                  <a:schemeClr val="accent2"/>
+                  <a:srgbClr val="00B050"/>
                 </a:solidFill>
               </a:rPr>
               <a:t>Possible initializations</a:t>
             </a:r>
             <a:endParaRPr lang="en-SG" dirty="0">
               <a:solidFill>
-                <a:schemeClr val="accent2"/>
+                <a:srgbClr val="00B050"/>
               </a:solidFill>
             </a:endParaRPr>
           </a:p>
@@ -9236,14 +10010,14 @@
             <a:r>
               <a:rPr lang="en-GB" dirty="0">
                 <a:solidFill>
-                  <a:schemeClr val="accent2"/>
+                  <a:srgbClr val="00B050"/>
                 </a:solidFill>
               </a:rPr>
               <a:t>Gradients, gradient descent, computation graph definitions, backprop concept</a:t>
             </a:r>
             <a:endParaRPr lang="en-SG" dirty="0">
               <a:solidFill>
-                <a:schemeClr val="accent2"/>
+                <a:srgbClr val="00B050"/>
               </a:solidFill>
             </a:endParaRPr>
           </a:p>
@@ -9360,14 +10134,14 @@
             <a:r>
               <a:rPr lang="en-GB" dirty="0">
                 <a:solidFill>
-                  <a:schemeClr val="accent2"/>
+                  <a:srgbClr val="00B050"/>
                 </a:solidFill>
               </a:rPr>
               <a:t>Training curves/Performance metrics</a:t>
             </a:r>
             <a:endParaRPr lang="en-SG" dirty="0">
               <a:solidFill>
-                <a:schemeClr val="accent2"/>
+                <a:srgbClr val="00B050"/>
               </a:solidFill>
             </a:endParaRPr>
           </a:p>
@@ -9499,14 +10273,14 @@
             <a:r>
               <a:rPr lang="en-GB" dirty="0">
                 <a:solidFill>
-                  <a:schemeClr val="accent2"/>
+                  <a:srgbClr val="00B050"/>
                 </a:solidFill>
               </a:rPr>
               <a:t>Tensor (what are they)</a:t>
             </a:r>
             <a:endParaRPr lang="en-SG" dirty="0">
               <a:solidFill>
-                <a:schemeClr val="accent2"/>
+                <a:srgbClr val="00B050"/>
               </a:solidFill>
             </a:endParaRPr>
           </a:p>
@@ -9627,7 +10401,7 @@
             <a:r>
               <a:rPr lang="en-GB" dirty="0">
                 <a:solidFill>
-                  <a:schemeClr val="accent2"/>
+                  <a:srgbClr val="00B050"/>
                 </a:solidFill>
               </a:rPr>
               <a:t>Conversions </a:t>
@@ -9635,7 +10409,7 @@
             <a:r>
               <a:rPr lang="en-GB" dirty="0" err="1">
                 <a:solidFill>
-                  <a:schemeClr val="accent2"/>
+                  <a:srgbClr val="00B050"/>
                 </a:solidFill>
               </a:rPr>
               <a:t>Numpy</a:t>
@@ -9643,14 +10417,14 @@
             <a:r>
               <a:rPr lang="en-GB" dirty="0">
                 <a:solidFill>
-                  <a:schemeClr val="accent2"/>
+                  <a:srgbClr val="00B050"/>
                 </a:solidFill>
               </a:rPr>
               <a:t> &lt;-&gt; Tensors</a:t>
             </a:r>
             <a:endParaRPr lang="en-SG" dirty="0">
               <a:solidFill>
-                <a:schemeClr val="accent2"/>
+                <a:srgbClr val="00B050"/>
               </a:solidFill>
             </a:endParaRPr>
           </a:p>
@@ -9747,14 +10521,14 @@
             <a:r>
               <a:rPr lang="en-GB" dirty="0">
                 <a:solidFill>
-                  <a:schemeClr val="accent2"/>
+                  <a:srgbClr val="00B050"/>
                 </a:solidFill>
               </a:rPr>
               <a:t>Algebraic operations on tensors</a:t>
             </a:r>
             <a:endParaRPr lang="en-SG" dirty="0">
               <a:solidFill>
-                <a:schemeClr val="accent2"/>
+                <a:srgbClr val="00B050"/>
               </a:solidFill>
             </a:endParaRPr>
           </a:p>
@@ -9912,14 +10686,14 @@
             <a:r>
               <a:rPr lang="en-GB" dirty="0">
                 <a:solidFill>
-                  <a:schemeClr val="accent2"/>
+                  <a:srgbClr val="00B050"/>
                 </a:solidFill>
               </a:rPr>
               <a:t>A quick word about broadcasting and vectorizing operations</a:t>
             </a:r>
             <a:endParaRPr lang="en-SG" dirty="0">
               <a:solidFill>
-                <a:schemeClr val="accent2"/>
+                <a:srgbClr val="00B050"/>
               </a:solidFill>
             </a:endParaRPr>
           </a:p>
@@ -10014,10 +10788,18 @@
           <a:lstStyle/>
           <a:p>
             <a:r>
-              <a:rPr lang="en-GB" dirty="0"/>
+              <a:rPr lang="en-GB" dirty="0">
+                <a:solidFill>
+                  <a:srgbClr val="00B050"/>
+                </a:solidFill>
+              </a:rPr>
               <a:t>Defining a data loader</a:t>
             </a:r>
-            <a:endParaRPr lang="en-SG" dirty="0"/>
+            <a:endParaRPr lang="en-SG" dirty="0">
+              <a:solidFill>
+                <a:srgbClr val="00B050"/>
+              </a:solidFill>
+            </a:endParaRPr>
           </a:p>
         </p:txBody>
       </p:sp>
@@ -10235,7 +11017,7 @@
             <a:r>
               <a:rPr lang="en-GB" dirty="0">
                 <a:solidFill>
-                  <a:schemeClr val="accent2"/>
+                  <a:srgbClr val="00B050"/>
                 </a:solidFill>
               </a:rPr>
               <a:t>Creating a basic NN in </a:t>
@@ -10243,14 +11025,14 @@
             <a:r>
               <a:rPr lang="en-GB" dirty="0" err="1">
                 <a:solidFill>
-                  <a:schemeClr val="accent2"/>
+                  <a:srgbClr val="00B050"/>
                 </a:solidFill>
               </a:rPr>
               <a:t>PyTorch</a:t>
             </a:r>
             <a:endParaRPr lang="en-SG" dirty="0">
               <a:solidFill>
-                <a:schemeClr val="accent2"/>
+                <a:srgbClr val="00B050"/>
               </a:solidFill>
             </a:endParaRPr>
           </a:p>
@@ -10406,14 +11188,14 @@
             <a:r>
               <a:rPr lang="en-GB" dirty="0">
                 <a:solidFill>
-                  <a:schemeClr val="accent2"/>
+                  <a:srgbClr val="00B050"/>
                 </a:solidFill>
               </a:rPr>
               <a:t>Backpropagation</a:t>
             </a:r>
             <a:endParaRPr lang="en-SG" dirty="0">
               <a:solidFill>
-                <a:schemeClr val="accent2"/>
+                <a:srgbClr val="00B050"/>
               </a:solidFill>
             </a:endParaRPr>
           </a:p>
@@ -10522,7 +11304,7 @@
             <a:r>
               <a:rPr lang="en-GB" dirty="0">
                 <a:solidFill>
-                  <a:schemeClr val="accent2"/>
+                  <a:srgbClr val="00B050"/>
                 </a:solidFill>
               </a:rPr>
               <a:t>The </a:t>
@@ -10530,7 +11312,7 @@
             <a:r>
               <a:rPr lang="en-GB" dirty="0" err="1">
                 <a:solidFill>
-                  <a:schemeClr val="accent2"/>
+                  <a:srgbClr val="00B050"/>
                 </a:solidFill>
               </a:rPr>
               <a:t>autograd</a:t>
@@ -10538,7 +11320,7 @@
             <a:r>
               <a:rPr lang="en-GB" dirty="0">
                 <a:solidFill>
-                  <a:schemeClr val="accent2"/>
+                  <a:srgbClr val="00B050"/>
                 </a:solidFill>
               </a:rPr>
               <a:t>, aka as </a:t>
@@ -10546,7 +11328,7 @@
             <a:r>
               <a:rPr lang="en-GB" dirty="0" err="1">
                 <a:solidFill>
-                  <a:schemeClr val="accent2"/>
+                  <a:srgbClr val="00B050"/>
                 </a:solidFill>
               </a:rPr>
               <a:t>PyTorch’s</a:t>
@@ -10554,14 +11336,14 @@
             <a:r>
               <a:rPr lang="en-GB" dirty="0">
                 <a:solidFill>
-                  <a:schemeClr val="accent2"/>
+                  <a:srgbClr val="00B050"/>
                 </a:solidFill>
               </a:rPr>
               <a:t> beast</a:t>
             </a:r>
             <a:endParaRPr lang="en-SG" dirty="0">
               <a:solidFill>
-                <a:schemeClr val="accent2"/>
+                <a:srgbClr val="00B050"/>
               </a:solidFill>
             </a:endParaRPr>
           </a:p>
@@ -10666,10 +11448,18 @@
           <a:lstStyle/>
           <a:p>
             <a:r>
-              <a:rPr lang="en-GB" dirty="0"/>
+              <a:rPr lang="en-GB" dirty="0">
+                <a:solidFill>
+                  <a:srgbClr val="00B050"/>
+                </a:solidFill>
+              </a:rPr>
               <a:t>Moving from shallow to deep</a:t>
             </a:r>
-            <a:endParaRPr lang="en-SG" dirty="0"/>
+            <a:endParaRPr lang="en-SG" dirty="0">
+              <a:solidFill>
+                <a:srgbClr val="00B050"/>
+              </a:solidFill>
+            </a:endParaRPr>
           </a:p>
         </p:txBody>
       </p:sp>
@@ -10771,10 +11561,18 @@
           <a:lstStyle/>
           <a:p>
             <a:r>
-              <a:rPr lang="en-GB" dirty="0"/>
+              <a:rPr lang="en-GB" dirty="0">
+                <a:solidFill>
+                  <a:srgbClr val="00B050"/>
+                </a:solidFill>
+              </a:rPr>
               <a:t>Deep NNs</a:t>
             </a:r>
-            <a:endParaRPr lang="en-SG" dirty="0"/>
+            <a:endParaRPr lang="en-SG" dirty="0">
+              <a:solidFill>
+                <a:srgbClr val="00B050"/>
+              </a:solidFill>
+            </a:endParaRPr>
           </a:p>
         </p:txBody>
       </p:sp>
@@ -10873,14 +11671,26 @@
           <a:lstStyle/>
           <a:p>
             <a:r>
-              <a:rPr lang="en-GB" dirty="0"/>
+              <a:rPr lang="en-GB" dirty="0">
+                <a:solidFill>
+                  <a:srgbClr val="00B050"/>
+                </a:solidFill>
+              </a:rPr>
               <a:t>Layers in </a:t>
             </a:r>
             <a:r>
-              <a:rPr lang="en-GB" dirty="0" err="1"/>
+              <a:rPr lang="en-GB" dirty="0" err="1">
+                <a:solidFill>
+                  <a:srgbClr val="00B050"/>
+                </a:solidFill>
+              </a:rPr>
               <a:t>PyTorch</a:t>
             </a:r>
-            <a:endParaRPr lang="en-SG" dirty="0"/>
+            <a:endParaRPr lang="en-SG" dirty="0">
+              <a:solidFill>
+                <a:srgbClr val="00B050"/>
+              </a:solidFill>
+            </a:endParaRPr>
           </a:p>
         </p:txBody>
       </p:sp>
@@ -10976,10 +11786,18 @@
           <a:lstStyle/>
           <a:p>
             <a:r>
-              <a:rPr lang="en-GB" dirty="0"/>
+              <a:rPr lang="en-GB" dirty="0">
+                <a:solidFill>
+                  <a:srgbClr val="00B050"/>
+                </a:solidFill>
+              </a:rPr>
               <a:t>DNNs forward/backward props</a:t>
             </a:r>
-            <a:endParaRPr lang="en-SG" dirty="0"/>
+            <a:endParaRPr lang="en-SG" dirty="0">
+              <a:solidFill>
+                <a:srgbClr val="00B050"/>
+              </a:solidFill>
+            </a:endParaRPr>
           </a:p>
         </p:txBody>
       </p:sp>
@@ -11074,14 +11892,14 @@
             <a:r>
               <a:rPr lang="en-GB" dirty="0">
                 <a:solidFill>
-                  <a:schemeClr val="accent2"/>
+                  <a:srgbClr val="00B050"/>
                 </a:solidFill>
               </a:rPr>
               <a:t>Vanishing and exploding gradient problems</a:t>
             </a:r>
             <a:endParaRPr lang="en-SG" dirty="0">
               <a:solidFill>
-                <a:schemeClr val="accent2"/>
+                <a:srgbClr val="00B050"/>
               </a:solidFill>
             </a:endParaRPr>
           </a:p>
@@ -11226,10 +12044,18 @@
           <a:lstStyle/>
           <a:p>
             <a:r>
-              <a:rPr lang="en-GB" dirty="0"/>
+              <a:rPr lang="en-GB" dirty="0">
+                <a:solidFill>
+                  <a:srgbClr val="00B050"/>
+                </a:solidFill>
+              </a:rPr>
               <a:t>Good practices of DNN projects</a:t>
             </a:r>
-            <a:endParaRPr lang="en-SG" dirty="0"/>
+            <a:endParaRPr lang="en-SG" dirty="0">
+              <a:solidFill>
+                <a:srgbClr val="00B050"/>
+              </a:solidFill>
+            </a:endParaRPr>
           </a:p>
         </p:txBody>
       </p:sp>
@@ -11372,10 +12198,18 @@
           <a:lstStyle/>
           <a:p>
             <a:r>
-              <a:rPr lang="en-GB" dirty="0"/>
+              <a:rPr lang="en-GB" dirty="0">
+                <a:solidFill>
+                  <a:srgbClr val="00B050"/>
+                </a:solidFill>
+              </a:rPr>
               <a:t>Good practices of DNN projects</a:t>
             </a:r>
-            <a:endParaRPr lang="en-SG" dirty="0"/>
+            <a:endParaRPr lang="en-SG" dirty="0">
+              <a:solidFill>
+                <a:srgbClr val="00B050"/>
+              </a:solidFill>
+            </a:endParaRPr>
           </a:p>
         </p:txBody>
       </p:sp>
@@ -11515,10 +12349,18 @@
           <a:lstStyle/>
           <a:p>
             <a:r>
-              <a:rPr lang="en-GB" dirty="0"/>
+              <a:rPr lang="en-GB" dirty="0">
+                <a:solidFill>
+                  <a:srgbClr val="00B050"/>
+                </a:solidFill>
+              </a:rPr>
               <a:t>The way I teach things</a:t>
             </a:r>
-            <a:endParaRPr lang="en-SG" dirty="0"/>
+            <a:endParaRPr lang="en-SG" dirty="0">
+              <a:solidFill>
+                <a:srgbClr val="00B050"/>
+              </a:solidFill>
+            </a:endParaRPr>
           </a:p>
         </p:txBody>
       </p:sp>
@@ -11633,10 +12475,18 @@
           <a:lstStyle/>
           <a:p>
             <a:r>
-              <a:rPr lang="en-GB" dirty="0"/>
+              <a:rPr lang="en-GB" dirty="0">
+                <a:solidFill>
+                  <a:srgbClr val="00B050"/>
+                </a:solidFill>
+              </a:rPr>
               <a:t>Good practices of DNN projects</a:t>
             </a:r>
-            <a:endParaRPr lang="en-SG" dirty="0"/>
+            <a:endParaRPr lang="en-SG" dirty="0">
+              <a:solidFill>
+                <a:srgbClr val="00B050"/>
+              </a:solidFill>
+            </a:endParaRPr>
           </a:p>
         </p:txBody>
       </p:sp>
@@ -11774,10 +12624,18 @@
           <a:lstStyle/>
           <a:p>
             <a:r>
-              <a:rPr lang="en-GB" dirty="0"/>
+              <a:rPr lang="en-GB" dirty="0">
+                <a:solidFill>
+                  <a:srgbClr val="00B050"/>
+                </a:solidFill>
+              </a:rPr>
               <a:t>Good practices of DNN projects</a:t>
             </a:r>
-            <a:endParaRPr lang="en-SG" dirty="0"/>
+            <a:endParaRPr lang="en-SG" dirty="0">
+              <a:solidFill>
+                <a:srgbClr val="00B050"/>
+              </a:solidFill>
+            </a:endParaRPr>
           </a:p>
         </p:txBody>
       </p:sp>
@@ -11915,10 +12773,18 @@
           <a:lstStyle/>
           <a:p>
             <a:r>
-              <a:rPr lang="en-GB" dirty="0"/>
+              <a:rPr lang="en-GB" dirty="0">
+                <a:solidFill>
+                  <a:srgbClr val="00B050"/>
+                </a:solidFill>
+              </a:rPr>
               <a:t>Mini-batches gradient descent</a:t>
             </a:r>
-            <a:endParaRPr lang="en-SG" dirty="0"/>
+            <a:endParaRPr lang="en-SG" dirty="0">
+              <a:solidFill>
+                <a:srgbClr val="00B050"/>
+              </a:solidFill>
+            </a:endParaRPr>
           </a:p>
         </p:txBody>
       </p:sp>
@@ -12025,10 +12891,18 @@
           <a:lstStyle/>
           <a:p>
             <a:r>
-              <a:rPr lang="en-GB" dirty="0"/>
+              <a:rPr lang="en-GB" dirty="0">
+                <a:solidFill>
+                  <a:srgbClr val="00B050"/>
+                </a:solidFill>
+              </a:rPr>
               <a:t>Adding momentum to GD</a:t>
             </a:r>
-            <a:endParaRPr lang="en-SG" dirty="0"/>
+            <a:endParaRPr lang="en-SG" dirty="0">
+              <a:solidFill>
+                <a:srgbClr val="00B050"/>
+              </a:solidFill>
+            </a:endParaRPr>
           </a:p>
         </p:txBody>
       </p:sp>
@@ -12149,10 +13023,18 @@
           <a:lstStyle/>
           <a:p>
             <a:r>
-              <a:rPr lang="en-GB" dirty="0"/>
+              <a:rPr lang="en-GB" dirty="0">
+                <a:solidFill>
+                  <a:srgbClr val="00B050"/>
+                </a:solidFill>
+              </a:rPr>
               <a:t>On learning rate decay</a:t>
             </a:r>
-            <a:endParaRPr lang="en-SG" dirty="0"/>
+            <a:endParaRPr lang="en-SG" dirty="0">
+              <a:solidFill>
+                <a:srgbClr val="00B050"/>
+              </a:solidFill>
+            </a:endParaRPr>
           </a:p>
         </p:txBody>
       </p:sp>
@@ -12249,10 +13131,18 @@
           <a:lstStyle/>
           <a:p>
             <a:r>
-              <a:rPr lang="en-GB" dirty="0"/>
+              <a:rPr lang="en-GB" dirty="0">
+                <a:solidFill>
+                  <a:srgbClr val="00B050"/>
+                </a:solidFill>
+              </a:rPr>
               <a:t>Combining all concepts into a great-GD</a:t>
             </a:r>
-            <a:endParaRPr lang="en-SG" dirty="0"/>
+            <a:endParaRPr lang="en-SG" dirty="0">
+              <a:solidFill>
+                <a:srgbClr val="00B050"/>
+              </a:solidFill>
+            </a:endParaRPr>
           </a:p>
         </p:txBody>
       </p:sp>
@@ -12405,10 +13295,18 @@
           <a:lstStyle/>
           <a:p>
             <a:r>
-              <a:rPr lang="en-GB" dirty="0"/>
+              <a:rPr lang="en-GB" dirty="0">
+                <a:solidFill>
+                  <a:srgbClr val="00B050"/>
+                </a:solidFill>
+              </a:rPr>
               <a:t>Images as a data type</a:t>
             </a:r>
-            <a:endParaRPr lang="en-SG" dirty="0"/>
+            <a:endParaRPr lang="en-SG" dirty="0">
+              <a:solidFill>
+                <a:srgbClr val="00B050"/>
+              </a:solidFill>
+            </a:endParaRPr>
           </a:p>
         </p:txBody>
       </p:sp>
@@ -12532,10 +13430,18 @@
           <a:lstStyle/>
           <a:p>
             <a:r>
-              <a:rPr lang="en-GB" dirty="0"/>
+              <a:rPr lang="en-GB" dirty="0">
+                <a:solidFill>
+                  <a:srgbClr val="00B050"/>
+                </a:solidFill>
+              </a:rPr>
               <a:t>Typical operations on images</a:t>
             </a:r>
-            <a:endParaRPr lang="en-SG" dirty="0"/>
+            <a:endParaRPr lang="en-SG" dirty="0">
+              <a:solidFill>
+                <a:srgbClr val="00B050"/>
+              </a:solidFill>
+            </a:endParaRPr>
           </a:p>
         </p:txBody>
       </p:sp>
@@ -12644,10 +13550,18 @@
           <a:lstStyle/>
           <a:p>
             <a:r>
-              <a:rPr lang="en-GB" dirty="0"/>
+              <a:rPr lang="en-GB" dirty="0">
+                <a:solidFill>
+                  <a:srgbClr val="00B050"/>
+                </a:solidFill>
+              </a:rPr>
               <a:t>Convolution layer implementation</a:t>
             </a:r>
-            <a:endParaRPr lang="en-SG" dirty="0"/>
+            <a:endParaRPr lang="en-SG" dirty="0">
+              <a:solidFill>
+                <a:srgbClr val="00B050"/>
+              </a:solidFill>
+            </a:endParaRPr>
           </a:p>
         </p:txBody>
       </p:sp>
@@ -12779,10 +13693,18 @@
           <a:lstStyle/>
           <a:p>
             <a:r>
-              <a:rPr lang="en-GB" dirty="0"/>
+              <a:rPr lang="en-GB" dirty="0">
+                <a:solidFill>
+                  <a:srgbClr val="00B050"/>
+                </a:solidFill>
+              </a:rPr>
               <a:t>DNNs vs CNNs in MNIST classification</a:t>
             </a:r>
-            <a:endParaRPr lang="en-SG" dirty="0"/>
+            <a:endParaRPr lang="en-SG" dirty="0">
+              <a:solidFill>
+                <a:srgbClr val="00B050"/>
+              </a:solidFill>
+            </a:endParaRPr>
           </a:p>
         </p:txBody>
       </p:sp>
@@ -13024,10 +13946,18 @@
           <a:lstStyle/>
           <a:p>
             <a:r>
-              <a:rPr lang="en-GB" dirty="0"/>
+              <a:rPr lang="en-GB" dirty="0">
+                <a:solidFill>
+                  <a:srgbClr val="00B050"/>
+                </a:solidFill>
+              </a:rPr>
               <a:t>Training CNNs and transfer learning</a:t>
             </a:r>
-            <a:endParaRPr lang="en-SG" dirty="0"/>
+            <a:endParaRPr lang="en-SG" dirty="0">
+              <a:solidFill>
+                <a:srgbClr val="00B050"/>
+              </a:solidFill>
+            </a:endParaRPr>
           </a:p>
         </p:txBody>
       </p:sp>
@@ -13144,10 +14074,18 @@
           <a:lstStyle/>
           <a:p>
             <a:r>
-              <a:rPr lang="en-GB" dirty="0"/>
+              <a:rPr lang="en-GB" dirty="0">
+                <a:solidFill>
+                  <a:srgbClr val="00B050"/>
+                </a:solidFill>
+              </a:rPr>
               <a:t>The pooling operation</a:t>
             </a:r>
-            <a:endParaRPr lang="en-SG" dirty="0"/>
+            <a:endParaRPr lang="en-SG" dirty="0">
+              <a:solidFill>
+                <a:srgbClr val="00B050"/>
+              </a:solidFill>
+            </a:endParaRPr>
           </a:p>
         </p:txBody>
       </p:sp>
@@ -13250,10 +14188,18 @@
           <a:lstStyle/>
           <a:p>
             <a:r>
-              <a:rPr lang="en-GB" dirty="0"/>
+              <a:rPr lang="en-GB" dirty="0">
+                <a:solidFill>
+                  <a:srgbClr val="00B050"/>
+                </a:solidFill>
+              </a:rPr>
               <a:t>The case of data augmentation</a:t>
             </a:r>
-            <a:endParaRPr lang="en-SG" dirty="0"/>
+            <a:endParaRPr lang="en-SG" dirty="0">
+              <a:solidFill>
+                <a:srgbClr val="00B050"/>
+              </a:solidFill>
+            </a:endParaRPr>
           </a:p>
         </p:txBody>
       </p:sp>
@@ -13366,10 +14312,18 @@
           <a:lstStyle/>
           <a:p>
             <a:r>
-              <a:rPr lang="en-GB" dirty="0"/>
+              <a:rPr lang="en-GB" dirty="0">
+                <a:solidFill>
+                  <a:schemeClr val="accent2"/>
+                </a:solidFill>
+              </a:rPr>
               <a:t>Why study typical CNN architectures</a:t>
             </a:r>
-            <a:endParaRPr lang="en-SG" dirty="0"/>
+            <a:endParaRPr lang="en-SG" dirty="0">
+              <a:solidFill>
+                <a:schemeClr val="accent2"/>
+              </a:solidFill>
+            </a:endParaRPr>
           </a:p>
         </p:txBody>
       </p:sp>
